--- a/reactnative/React Native.pptx
+++ b/reactnative/React Native.pptx
@@ -7,6 +7,7 @@
   <p:sldIdLst>
     <p:sldId id="256" r:id="rId2"/>
     <p:sldId id="257" r:id="rId3"/>
+    <p:sldId id="258" r:id="rId4"/>
   </p:sldIdLst>
   <p:sldSz cx="12192000" cy="6858000"/>
   <p:notesSz cx="6858000" cy="9144000"/>
@@ -105,6 +106,11 @@
       </a:defRPr>
     </a:lvl9pPr>
   </p:defaultTextStyle>
+  <p:extLst>
+    <p:ext uri="{EFAFB233-063F-42B5-8137-9DF3F51BA10A}">
+      <p15:sldGuideLst xmlns:p15="http://schemas.microsoft.com/office/powerpoint/2012/main"/>
+    </p:ext>
+  </p:extLst>
 </p:presentation>
 </file>
 
@@ -3215,6 +3221,30 @@
           </a:p>
           <a:p>
             <a:r>
+              <a:rPr lang="nl-NL" dirty="0" smtClean="0"/>
+              <a:t>Handling user input</a:t>
+            </a:r>
+          </a:p>
+          <a:p>
+            <a:r>
+              <a:rPr lang="nl-NL" dirty="0" err="1" smtClean="0"/>
+              <a:t>Some</a:t>
+            </a:r>
+            <a:r>
+              <a:rPr lang="nl-NL" dirty="0" smtClean="0"/>
+              <a:t> of </a:t>
+            </a:r>
+            <a:r>
+              <a:rPr lang="nl-NL" dirty="0" err="1" smtClean="0"/>
+              <a:t>React</a:t>
+            </a:r>
+            <a:r>
+              <a:rPr lang="nl-NL" dirty="0" smtClean="0"/>
+              <a:t> Native events </a:t>
+            </a:r>
+          </a:p>
+          <a:p>
+            <a:r>
               <a:rPr lang="nl-NL" dirty="0" err="1" smtClean="0"/>
               <a:t>Navigation</a:t>
             </a:r>
@@ -3234,17 +3264,47 @@
           <a:p>
             <a:r>
               <a:rPr lang="nl-NL" dirty="0" smtClean="0"/>
-              <a:t>Handling user input</a:t>
-            </a:r>
-          </a:p>
-          <a:p>
+              <a:t>HTTP </a:t>
+            </a:r>
             <a:r>
               <a:rPr lang="nl-NL" dirty="0" err="1" smtClean="0"/>
-              <a:t>Some</a:t>
-            </a:r>
+              <a:t>Request</a:t>
+            </a:r>
+            <a:endParaRPr lang="nl-NL" dirty="0" smtClean="0"/>
+          </a:p>
+          <a:p>
+            <a:r>
+              <a:rPr lang="nl-NL" dirty="0" err="1" smtClean="0"/>
+              <a:t>Authentication</a:t>
+            </a:r>
+            <a:endParaRPr lang="nl-NL" dirty="0" smtClean="0"/>
+          </a:p>
+          <a:p>
             <a:r>
               <a:rPr lang="nl-NL" dirty="0" smtClean="0"/>
-              <a:t> of </a:t>
+              <a:t>Using Native device feature</a:t>
+            </a:r>
+          </a:p>
+          <a:p>
+            <a:r>
+              <a:rPr lang="nl-NL" dirty="0" smtClean="0"/>
+              <a:t>Using </a:t>
+            </a:r>
+            <a:r>
+              <a:rPr lang="nl-NL" dirty="0" err="1" smtClean="0"/>
+              <a:t>Redux</a:t>
+            </a:r>
+            <a:r>
+              <a:rPr lang="nl-NL" dirty="0" smtClean="0"/>
+              <a:t> </a:t>
+            </a:r>
+            <a:r>
+              <a:rPr lang="nl-NL" dirty="0" err="1" smtClean="0"/>
+              <a:t>with</a:t>
+            </a:r>
+            <a:r>
+              <a:rPr lang="nl-NL" dirty="0" smtClean="0"/>
+              <a:t> </a:t>
             </a:r>
             <a:r>
               <a:rPr lang="nl-NL" dirty="0" err="1" smtClean="0"/>
@@ -3252,41 +3312,17 @@
             </a:r>
             <a:r>
               <a:rPr lang="nl-NL" dirty="0" smtClean="0"/>
-              <a:t> Native events </a:t>
+              <a:t> Native</a:t>
             </a:r>
           </a:p>
           <a:p>
             <a:r>
               <a:rPr lang="nl-NL" dirty="0" smtClean="0"/>
-              <a:t>Using Native device feature</a:t>
-            </a:r>
-          </a:p>
-          <a:p>
-            <a:r>
-              <a:rPr lang="nl-NL" dirty="0" smtClean="0"/>
-              <a:t>HTTP </a:t>
+              <a:t>Publishing </a:t>
             </a:r>
             <a:r>
               <a:rPr lang="nl-NL" dirty="0" err="1" smtClean="0"/>
-              <a:t>Request</a:t>
-            </a:r>
-            <a:endParaRPr lang="nl-NL" dirty="0" smtClean="0"/>
-          </a:p>
-          <a:p>
-            <a:r>
-              <a:rPr lang="nl-NL" dirty="0" err="1" smtClean="0"/>
-              <a:t>Authentication</a:t>
-            </a:r>
-            <a:endParaRPr lang="nl-NL" dirty="0" smtClean="0"/>
-          </a:p>
-          <a:p>
-            <a:r>
-              <a:rPr lang="nl-NL" dirty="0" smtClean="0"/>
-              <a:t>Using </a:t>
-            </a:r>
-            <a:r>
-              <a:rPr lang="nl-NL" dirty="0" err="1" smtClean="0"/>
-              <a:t>Redux</a:t>
+              <a:t>your</a:t>
             </a:r>
             <a:r>
               <a:rPr lang="nl-NL" dirty="0" smtClean="0"/>
@@ -3294,36 +3330,6 @@
             </a:r>
             <a:r>
               <a:rPr lang="nl-NL" dirty="0" err="1" smtClean="0"/>
-              <a:t>with</a:t>
-            </a:r>
-            <a:r>
-              <a:rPr lang="nl-NL" dirty="0" smtClean="0"/>
-              <a:t> </a:t>
-            </a:r>
-            <a:r>
-              <a:rPr lang="nl-NL" dirty="0" err="1" smtClean="0"/>
-              <a:t>React</a:t>
-            </a:r>
-            <a:r>
-              <a:rPr lang="nl-NL" dirty="0" smtClean="0"/>
-              <a:t> Native</a:t>
-            </a:r>
-          </a:p>
-          <a:p>
-            <a:r>
-              <a:rPr lang="nl-NL" dirty="0" smtClean="0"/>
-              <a:t>Publishing </a:t>
-            </a:r>
-            <a:r>
-              <a:rPr lang="nl-NL" dirty="0" err="1" smtClean="0"/>
-              <a:t>your</a:t>
-            </a:r>
-            <a:r>
-              <a:rPr lang="nl-NL" dirty="0" smtClean="0"/>
-              <a:t> </a:t>
-            </a:r>
-            <a:r>
-              <a:rPr lang="nl-NL" smtClean="0"/>
               <a:t>app</a:t>
             </a:r>
             <a:endParaRPr lang="nl-NL" dirty="0" smtClean="0"/>
@@ -3334,6 +3340,198 @@
     <p:extLst>
       <p:ext uri="{BB962C8B-B14F-4D97-AF65-F5344CB8AC3E}">
         <p14:creationId xmlns:p14="http://schemas.microsoft.com/office/powerpoint/2010/main" val="4272190990"/>
+      </p:ext>
+    </p:extLst>
+  </p:cSld>
+  <p:clrMapOvr>
+    <a:masterClrMapping/>
+  </p:clrMapOvr>
+  <p:timing>
+    <p:tnLst>
+      <p:par>
+        <p:cTn id="1" dur="indefinite" restart="never" nodeType="tmRoot"/>
+      </p:par>
+    </p:tnLst>
+  </p:timing>
+</p:sld>
+</file>
+
+<file path=ppt/slides/slide3.xml><?xml version="1.0" encoding="utf-8"?>
+<p:sld xmlns:a="http://schemas.openxmlformats.org/drawingml/2006/main" xmlns:r="http://schemas.openxmlformats.org/officeDocument/2006/relationships" xmlns:p="http://schemas.openxmlformats.org/presentationml/2006/main">
+  <p:cSld>
+    <p:spTree>
+      <p:nvGrpSpPr>
+        <p:cNvPr id="1" name=""/>
+        <p:cNvGrpSpPr/>
+        <p:nvPr/>
+      </p:nvGrpSpPr>
+      <p:grpSpPr>
+        <a:xfrm>
+          <a:off x="0" y="0"/>
+          <a:ext cx="0" cy="0"/>
+          <a:chOff x="0" y="0"/>
+          <a:chExt cx="0" cy="0"/>
+        </a:xfrm>
+      </p:grpSpPr>
+      <p:sp>
+        <p:nvSpPr>
+          <p:cNvPr id="2" name="Title 1"/>
+          <p:cNvSpPr>
+            <a:spLocks noGrp="1"/>
+          </p:cNvSpPr>
+          <p:nvPr>
+            <p:ph type="title"/>
+          </p:nvPr>
+        </p:nvSpPr>
+        <p:spPr/>
+        <p:txBody>
+          <a:bodyPr/>
+          <a:lstStyle/>
+          <a:p>
+            <a:endParaRPr lang="en-US"/>
+          </a:p>
+        </p:txBody>
+      </p:sp>
+      <p:sp>
+        <p:nvSpPr>
+          <p:cNvPr id="3" name="Content Placeholder 2"/>
+          <p:cNvSpPr>
+            <a:spLocks noGrp="1"/>
+          </p:cNvSpPr>
+          <p:nvPr>
+            <p:ph idx="1"/>
+          </p:nvPr>
+        </p:nvSpPr>
+        <p:spPr/>
+        <p:txBody>
+          <a:bodyPr>
+            <a:normAutofit fontScale="85000" lnSpcReduction="20000"/>
+          </a:bodyPr>
+          <a:lstStyle/>
+          <a:p>
+            <a:r>
+              <a:rPr lang="en-US" dirty="0"/>
+              <a:t>React Native is a JavaScript framework for writing real, natively rendering mobile applications for iOS and Android. It’s based on React, Facebook’s JavaScript library for building user interfaces, but instead of targeting the browser, it targets mobile platforms. </a:t>
+            </a:r>
+            <a:endParaRPr lang="en-US" dirty="0" smtClean="0"/>
+          </a:p>
+          <a:p>
+            <a:endParaRPr lang="en-US" dirty="0" smtClean="0"/>
+          </a:p>
+          <a:p>
+            <a:pPr marL="0" indent="0">
+              <a:buNone/>
+            </a:pPr>
+            <a:r>
+              <a:rPr lang="nl-NL" dirty="0" smtClean="0"/>
+              <a:t>Benefits of </a:t>
+            </a:r>
+            <a:r>
+              <a:rPr lang="nl-NL" dirty="0" err="1" smtClean="0"/>
+              <a:t>React</a:t>
+            </a:r>
+            <a:r>
+              <a:rPr lang="nl-NL" dirty="0" smtClean="0"/>
+              <a:t> Native:</a:t>
+            </a:r>
+          </a:p>
+          <a:p>
+            <a:r>
+              <a:rPr lang="nl-NL" dirty="0" err="1" smtClean="0"/>
+              <a:t>Use</a:t>
+            </a:r>
+            <a:r>
+              <a:rPr lang="nl-NL" dirty="0" smtClean="0"/>
+              <a:t> JS </a:t>
+            </a:r>
+            <a:r>
+              <a:rPr lang="nl-NL" dirty="0" err="1" smtClean="0"/>
+              <a:t>to</a:t>
+            </a:r>
+            <a:r>
+              <a:rPr lang="nl-NL" dirty="0" smtClean="0"/>
+              <a:t> </a:t>
+            </a:r>
+            <a:r>
+              <a:rPr lang="nl-NL" dirty="0" err="1" smtClean="0"/>
+              <a:t>develop</a:t>
+            </a:r>
+            <a:r>
+              <a:rPr lang="nl-NL" dirty="0" smtClean="0"/>
+              <a:t>.</a:t>
+            </a:r>
+          </a:p>
+          <a:p>
+            <a:r>
+              <a:rPr lang="en-US" dirty="0" smtClean="0"/>
+              <a:t>Cross platform</a:t>
+            </a:r>
+          </a:p>
+          <a:p>
+            <a:r>
+              <a:rPr lang="en-US" dirty="0" smtClean="0"/>
+              <a:t>Reuse </a:t>
+            </a:r>
+            <a:r>
+              <a:rPr lang="en-US" dirty="0"/>
+              <a:t>components and ease to be </a:t>
+            </a:r>
+            <a:r>
+              <a:rPr lang="en-US" dirty="0" smtClean="0"/>
+              <a:t>maintained</a:t>
+            </a:r>
+          </a:p>
+          <a:p>
+            <a:r>
+              <a:rPr lang="en-US" dirty="0"/>
+              <a:t>Don't waste time </a:t>
+            </a:r>
+            <a:r>
+              <a:rPr lang="en-US" dirty="0" smtClean="0"/>
+              <a:t>recompiling</a:t>
+            </a:r>
+          </a:p>
+          <a:p>
+            <a:r>
+              <a:rPr lang="en-US" dirty="0"/>
+              <a:t>Use native code when you need </a:t>
+            </a:r>
+            <a:r>
+              <a:rPr lang="en-US" dirty="0" smtClean="0"/>
+              <a:t>to</a:t>
+            </a:r>
+          </a:p>
+          <a:p>
+            <a:r>
+              <a:rPr lang="nl-NL" dirty="0" smtClean="0"/>
+              <a:t>Easy </a:t>
+            </a:r>
+            <a:r>
+              <a:rPr lang="nl-NL" dirty="0" err="1" smtClean="0"/>
+              <a:t>to</a:t>
+            </a:r>
+            <a:r>
+              <a:rPr lang="nl-NL" dirty="0" smtClean="0"/>
+              <a:t> </a:t>
+            </a:r>
+            <a:r>
+              <a:rPr lang="nl-NL" smtClean="0"/>
+              <a:t>debug</a:t>
+            </a:r>
+            <a:endParaRPr lang="en-US" dirty="0"/>
+          </a:p>
+          <a:p>
+            <a:endParaRPr lang="en-US" dirty="0"/>
+          </a:p>
+          <a:p>
+            <a:endParaRPr lang="en-US" dirty="0"/>
+          </a:p>
+        </p:txBody>
+      </p:sp>
+    </p:spTree>
+    <p:extLst>
+      <p:ext uri="{BB962C8B-B14F-4D97-AF65-F5344CB8AC3E}">
+        <p14:creationId xmlns:p14="http://schemas.microsoft.com/office/powerpoint/2010/main" val="3104643039"/>
       </p:ext>
     </p:extLst>
   </p:cSld>

--- a/reactnative/React Native.pptx
+++ b/reactnative/React Native.pptx
@@ -3432,17 +3432,92 @@
             </a:r>
             <a:r>
               <a:rPr lang="nl-NL" dirty="0" smtClean="0"/>
-              <a:t> Native:</a:t>
+              <a:t> Native</a:t>
+            </a:r>
+            <a:r>
+              <a:rPr lang="nl-NL" dirty="0" smtClean="0"/>
+              <a:t>:</a:t>
             </a:r>
           </a:p>
           <a:p>
             <a:r>
               <a:rPr lang="nl-NL" dirty="0" err="1" smtClean="0"/>
-              <a:t>Use</a:t>
+              <a:t>Learn</a:t>
             </a:r>
             <a:r>
               <a:rPr lang="nl-NL" dirty="0" smtClean="0"/>
-              <a:t> JS </a:t>
+              <a:t> </a:t>
+            </a:r>
+            <a:r>
+              <a:rPr lang="nl-NL" dirty="0" err="1" smtClean="0"/>
+              <a:t>once</a:t>
+            </a:r>
+            <a:r>
+              <a:rPr lang="nl-NL" dirty="0" smtClean="0"/>
+              <a:t>, </a:t>
+            </a:r>
+            <a:r>
+              <a:rPr lang="nl-NL" dirty="0" err="1" smtClean="0"/>
+              <a:t>write</a:t>
+            </a:r>
+            <a:r>
+              <a:rPr lang="nl-NL" dirty="0" smtClean="0"/>
+              <a:t> </a:t>
+            </a:r>
+            <a:r>
+              <a:rPr lang="nl-NL" dirty="0" err="1" smtClean="0"/>
+              <a:t>everywhere</a:t>
+            </a:r>
+            <a:endParaRPr lang="nl-NL" dirty="0" smtClean="0"/>
+          </a:p>
+          <a:p>
+            <a:r>
+              <a:rPr lang="en-US" dirty="0" smtClean="0"/>
+              <a:t>Cross </a:t>
+            </a:r>
+            <a:r>
+              <a:rPr lang="en-US" dirty="0" smtClean="0"/>
+              <a:t>platform</a:t>
+            </a:r>
+          </a:p>
+          <a:p>
+            <a:r>
+              <a:rPr lang="en-US" dirty="0" smtClean="0"/>
+              <a:t>Reuse </a:t>
+            </a:r>
+            <a:r>
+              <a:rPr lang="en-US" dirty="0"/>
+              <a:t>components and ease to be </a:t>
+            </a:r>
+            <a:r>
+              <a:rPr lang="en-US" dirty="0" smtClean="0"/>
+              <a:t>maintained</a:t>
+            </a:r>
+          </a:p>
+          <a:p>
+            <a:r>
+              <a:rPr lang="en-US" dirty="0"/>
+              <a:t>Don't waste time </a:t>
+            </a:r>
+            <a:r>
+              <a:rPr lang="en-US" dirty="0" smtClean="0"/>
+              <a:t>recompiling</a:t>
+            </a:r>
+          </a:p>
+          <a:p>
+            <a:r>
+              <a:rPr lang="en-US" dirty="0"/>
+              <a:t>Use native code when you need </a:t>
+            </a:r>
+            <a:r>
+              <a:rPr lang="en-US" dirty="0" smtClean="0"/>
+              <a:t>to</a:t>
+            </a:r>
+          </a:p>
+          <a:p>
+            <a:r>
+              <a:rPr lang="nl-NL" dirty="0" smtClean="0"/>
+              <a:t>Easy </a:t>
             </a:r>
             <a:r>
               <a:rPr lang="nl-NL" dirty="0" err="1" smtClean="0"/>
@@ -3454,68 +3529,6 @@
             </a:r>
             <a:r>
               <a:rPr lang="nl-NL" dirty="0" err="1" smtClean="0"/>
-              <a:t>develop</a:t>
-            </a:r>
-            <a:r>
-              <a:rPr lang="nl-NL" dirty="0" smtClean="0"/>
-              <a:t>.</a:t>
-            </a:r>
-          </a:p>
-          <a:p>
-            <a:r>
-              <a:rPr lang="en-US" dirty="0" smtClean="0"/>
-              <a:t>Cross platform</a:t>
-            </a:r>
-          </a:p>
-          <a:p>
-            <a:r>
-              <a:rPr lang="en-US" dirty="0" smtClean="0"/>
-              <a:t>Reuse </a:t>
-            </a:r>
-            <a:r>
-              <a:rPr lang="en-US" dirty="0"/>
-              <a:t>components and ease to be </a:t>
-            </a:r>
-            <a:r>
-              <a:rPr lang="en-US" dirty="0" smtClean="0"/>
-              <a:t>maintained</a:t>
-            </a:r>
-          </a:p>
-          <a:p>
-            <a:r>
-              <a:rPr lang="en-US" dirty="0"/>
-              <a:t>Don't waste time </a:t>
-            </a:r>
-            <a:r>
-              <a:rPr lang="en-US" dirty="0" smtClean="0"/>
-              <a:t>recompiling</a:t>
-            </a:r>
-          </a:p>
-          <a:p>
-            <a:r>
-              <a:rPr lang="en-US" dirty="0"/>
-              <a:t>Use native code when you need </a:t>
-            </a:r>
-            <a:r>
-              <a:rPr lang="en-US" dirty="0" smtClean="0"/>
-              <a:t>to</a:t>
-            </a:r>
-          </a:p>
-          <a:p>
-            <a:r>
-              <a:rPr lang="nl-NL" dirty="0" smtClean="0"/>
-              <a:t>Easy </a:t>
-            </a:r>
-            <a:r>
-              <a:rPr lang="nl-NL" dirty="0" err="1" smtClean="0"/>
-              <a:t>to</a:t>
-            </a:r>
-            <a:r>
-              <a:rPr lang="nl-NL" dirty="0" smtClean="0"/>
-              <a:t> </a:t>
-            </a:r>
-            <a:r>
-              <a:rPr lang="nl-NL" smtClean="0"/>
               <a:t>debug</a:t>
             </a:r>
             <a:endParaRPr lang="en-US" dirty="0"/>

--- a/reactnative/React Native.pptx
+++ b/reactnative/React Native.pptx
@@ -3411,7 +3411,23 @@
           <a:p>
             <a:r>
               <a:rPr lang="en-US" dirty="0"/>
-              <a:t>React Native is a JavaScript framework for writing real, natively rendering mobile applications for iOS and Android. It’s based on React, Facebook’s JavaScript library for building user interfaces, but instead of targeting the browser, it targets mobile platforms. </a:t>
+              <a:t>React Native is a JavaScript framework for writing real, natively rendering mobile applications for iOS and Android. It’s based on React, Facebook’s JavaScript library for building user interfaces, but instead of targeting the browser, it targets mobile </a:t>
+            </a:r>
+            <a:r>
+              <a:rPr lang="en-US" dirty="0" smtClean="0"/>
+              <a:t>platforms</a:t>
+            </a:r>
+            <a:r>
+              <a:rPr lang="en-US" dirty="0"/>
+              <a:t> </a:t>
+            </a:r>
+            <a:r>
+              <a:rPr lang="en-US" dirty="0" smtClean="0"/>
+              <a:t>=&gt; JS + React Native App </a:t>
+            </a:r>
+            <a:r>
+              <a:rPr lang="en-US" smtClean="0"/>
+              <a:t>to Native Code</a:t>
             </a:r>
             <a:endParaRPr lang="en-US" dirty="0" smtClean="0"/>
           </a:p>

--- a/reactnative/React Native.pptx
+++ b/reactnative/React Native.pptx
@@ -8,6 +8,8 @@
     <p:sldId id="256" r:id="rId2"/>
     <p:sldId id="257" r:id="rId3"/>
     <p:sldId id="258" r:id="rId4"/>
+    <p:sldId id="259" r:id="rId5"/>
+    <p:sldId id="260" r:id="rId6"/>
   </p:sldIdLst>
   <p:sldSz cx="12192000" cy="6858000"/>
   <p:notesSz cx="6858000" cy="9144000"/>
@@ -3087,7 +3089,7 @@
         <p:spPr/>
         <p:txBody>
           <a:bodyPr>
-            <a:normAutofit fontScale="62500" lnSpcReduction="20000"/>
+            <a:normAutofit fontScale="55000" lnSpcReduction="20000"/>
           </a:bodyPr>
           <a:lstStyle/>
           <a:p>
@@ -3133,10 +3135,7 @@
               <a:rPr lang="nl-NL" dirty="0" err="1" smtClean="0"/>
               <a:t>requirement</a:t>
             </a:r>
-            <a:r>
-              <a:rPr lang="nl-NL" dirty="0" smtClean="0"/>
-              <a:t> ?</a:t>
-            </a:r>
+            <a:endParaRPr lang="nl-NL" dirty="0" smtClean="0"/>
           </a:p>
           <a:p>
             <a:r>
@@ -3282,8 +3281,19 @@
           <a:p>
             <a:r>
               <a:rPr lang="nl-NL" dirty="0" smtClean="0"/>
-              <a:t>Using Native device feature</a:t>
-            </a:r>
+              <a:t>Using Native device </a:t>
+            </a:r>
+            <a:r>
+              <a:rPr lang="nl-NL" dirty="0" smtClean="0"/>
+              <a:t>feature</a:t>
+            </a:r>
+          </a:p>
+          <a:p>
+            <a:r>
+              <a:rPr lang="nl-NL" dirty="0" smtClean="0"/>
+              <a:t>Notification</a:t>
+            </a:r>
+            <a:endParaRPr lang="nl-NL" dirty="0" smtClean="0"/>
           </a:p>
           <a:p>
             <a:r>
@@ -3385,10 +3395,39 @@
         </p:nvSpPr>
         <p:spPr/>
         <p:txBody>
-          <a:bodyPr/>
-          <a:lstStyle/>
-          <a:p>
-            <a:endParaRPr lang="en-US"/>
+          <a:bodyPr>
+            <a:normAutofit fontScale="90000"/>
+          </a:bodyPr>
+          <a:lstStyle/>
+          <a:p>
+            <a:r>
+              <a:rPr lang="nl-NL" dirty="0" err="1"/>
+              <a:t>What</a:t>
+            </a:r>
+            <a:r>
+              <a:rPr lang="nl-NL" dirty="0"/>
+              <a:t> is </a:t>
+            </a:r>
+            <a:r>
+              <a:rPr lang="nl-NL" dirty="0" err="1"/>
+              <a:t>React</a:t>
+            </a:r>
+            <a:r>
+              <a:rPr lang="nl-NL" dirty="0"/>
+              <a:t> Native ? Benefit of </a:t>
+            </a:r>
+            <a:r>
+              <a:rPr lang="nl-NL" dirty="0" err="1"/>
+              <a:t>React</a:t>
+            </a:r>
+            <a:r>
+              <a:rPr lang="nl-NL" dirty="0"/>
+              <a:t> Native ?</a:t>
+            </a:r>
+            <a:br>
+              <a:rPr lang="nl-NL" dirty="0"/>
+            </a:br>
+            <a:endParaRPr lang="en-US" dirty="0"/>
           </a:p>
         </p:txBody>
       </p:sp>
@@ -3423,11 +3462,7 @@
             </a:r>
             <a:r>
               <a:rPr lang="en-US" dirty="0" smtClean="0"/>
-              <a:t>=&gt; JS + React Native App </a:t>
-            </a:r>
-            <a:r>
-              <a:rPr lang="en-US" smtClean="0"/>
-              <a:t>to Native Code</a:t>
+              <a:t>=&gt; JS + React Native App to Native Code</a:t>
             </a:r>
             <a:endParaRPr lang="en-US" dirty="0" smtClean="0"/>
           </a:p>
@@ -3574,6 +3609,351 @@
       </p:par>
     </p:tnLst>
   </p:timing>
+</p:sld>
+</file>
+
+<file path=ppt/slides/slide4.xml><?xml version="1.0" encoding="utf-8"?>
+<p:sld xmlns:a="http://schemas.openxmlformats.org/drawingml/2006/main" xmlns:r="http://schemas.openxmlformats.org/officeDocument/2006/relationships" xmlns:p="http://schemas.openxmlformats.org/presentationml/2006/main">
+  <p:cSld>
+    <p:spTree>
+      <p:nvGrpSpPr>
+        <p:cNvPr id="1" name=""/>
+        <p:cNvGrpSpPr/>
+        <p:nvPr/>
+      </p:nvGrpSpPr>
+      <p:grpSpPr>
+        <a:xfrm>
+          <a:off x="0" y="0"/>
+          <a:ext cx="0" cy="0"/>
+          <a:chOff x="0" y="0"/>
+          <a:chExt cx="0" cy="0"/>
+        </a:xfrm>
+      </p:grpSpPr>
+      <p:sp>
+        <p:nvSpPr>
+          <p:cNvPr id="2" name="Title 1"/>
+          <p:cNvSpPr>
+            <a:spLocks noGrp="1"/>
+          </p:cNvSpPr>
+          <p:nvPr>
+            <p:ph type="title"/>
+          </p:nvPr>
+        </p:nvSpPr>
+        <p:spPr/>
+        <p:txBody>
+          <a:bodyPr/>
+          <a:lstStyle/>
+          <a:p>
+            <a:r>
+              <a:rPr lang="nl-NL" dirty="0"/>
+              <a:t>Development </a:t>
+            </a:r>
+            <a:r>
+              <a:rPr lang="nl-NL" dirty="0" err="1"/>
+              <a:t>enviroment</a:t>
+            </a:r>
+            <a:r>
+              <a:rPr lang="nl-NL" dirty="0"/>
+              <a:t> </a:t>
+            </a:r>
+            <a:r>
+              <a:rPr lang="nl-NL" dirty="0" err="1"/>
+              <a:t>requirement</a:t>
+            </a:r>
+            <a:endParaRPr lang="en-US" dirty="0"/>
+          </a:p>
+        </p:txBody>
+      </p:sp>
+      <p:sp>
+        <p:nvSpPr>
+          <p:cNvPr id="3" name="Content Placeholder 2"/>
+          <p:cNvSpPr>
+            <a:spLocks noGrp="1"/>
+          </p:cNvSpPr>
+          <p:nvPr>
+            <p:ph idx="1"/>
+          </p:nvPr>
+        </p:nvSpPr>
+        <p:spPr/>
+        <p:txBody>
+          <a:bodyPr/>
+          <a:lstStyle/>
+          <a:p>
+            <a:r>
+              <a:rPr lang="nl-NL" dirty="0" err="1" smtClean="0"/>
+              <a:t>NodeJS</a:t>
+            </a:r>
+            <a:endParaRPr lang="nl-NL" dirty="0" smtClean="0"/>
+          </a:p>
+          <a:p>
+            <a:r>
+              <a:rPr lang="nl-NL" dirty="0" err="1" smtClean="0"/>
+              <a:t>Yarn</a:t>
+            </a:r>
+            <a:r>
+              <a:rPr lang="nl-NL" dirty="0" smtClean="0"/>
+              <a:t> (</a:t>
+            </a:r>
+            <a:r>
+              <a:rPr lang="nl-NL" dirty="0" err="1" smtClean="0"/>
+              <a:t>for</a:t>
+            </a:r>
+            <a:r>
+              <a:rPr lang="nl-NL" dirty="0" smtClean="0"/>
+              <a:t> </a:t>
+            </a:r>
+            <a:r>
+              <a:rPr lang="nl-NL" dirty="0" err="1" smtClean="0"/>
+              <a:t>faster</a:t>
+            </a:r>
+            <a:r>
+              <a:rPr lang="nl-NL" dirty="0" smtClean="0"/>
+              <a:t> </a:t>
+            </a:r>
+            <a:r>
+              <a:rPr lang="nl-NL" dirty="0" err="1" smtClean="0"/>
+              <a:t>npm</a:t>
+            </a:r>
+            <a:r>
+              <a:rPr lang="nl-NL" dirty="0" smtClean="0"/>
+              <a:t> </a:t>
+            </a:r>
+            <a:r>
+              <a:rPr lang="nl-NL" dirty="0" err="1" smtClean="0"/>
+              <a:t>install</a:t>
+            </a:r>
+            <a:r>
+              <a:rPr lang="nl-NL" dirty="0" smtClean="0"/>
+              <a:t>)</a:t>
+            </a:r>
+          </a:p>
+          <a:p>
+            <a:r>
+              <a:rPr lang="nl-NL" dirty="0" smtClean="0"/>
+              <a:t>JAVA SDK</a:t>
+            </a:r>
+          </a:p>
+          <a:p>
+            <a:r>
+              <a:rPr lang="nl-NL" dirty="0" smtClean="0"/>
+              <a:t>Android Studio</a:t>
+            </a:r>
+          </a:p>
+          <a:p>
+            <a:r>
+              <a:rPr lang="nl-NL" dirty="0" err="1" smtClean="0"/>
+              <a:t>React</a:t>
+            </a:r>
+            <a:r>
+              <a:rPr lang="nl-NL" dirty="0" smtClean="0"/>
+              <a:t> Native CLI or </a:t>
+            </a:r>
+            <a:r>
+              <a:rPr lang="nl-NL" dirty="0" err="1" smtClean="0"/>
+              <a:t>Create</a:t>
+            </a:r>
+            <a:r>
+              <a:rPr lang="nl-NL" dirty="0" smtClean="0"/>
+              <a:t> </a:t>
+            </a:r>
+            <a:r>
+              <a:rPr lang="nl-NL" dirty="0" err="1" smtClean="0"/>
+              <a:t>React</a:t>
+            </a:r>
+            <a:r>
+              <a:rPr lang="nl-NL" dirty="0" smtClean="0"/>
+              <a:t> Native </a:t>
+            </a:r>
+            <a:r>
+              <a:rPr lang="nl-NL" dirty="0" err="1" smtClean="0"/>
+              <a:t>App</a:t>
+            </a:r>
+            <a:endParaRPr lang="en-US" dirty="0"/>
+          </a:p>
+        </p:txBody>
+      </p:sp>
+    </p:spTree>
+    <p:extLst>
+      <p:ext uri="{BB962C8B-B14F-4D97-AF65-F5344CB8AC3E}">
+        <p14:creationId xmlns:p14="http://schemas.microsoft.com/office/powerpoint/2010/main" val="3027756268"/>
+      </p:ext>
+    </p:extLst>
+  </p:cSld>
+  <p:clrMapOvr>
+    <a:masterClrMapping/>
+  </p:clrMapOvr>
+</p:sld>
+</file>
+
+<file path=ppt/slides/slide5.xml><?xml version="1.0" encoding="utf-8"?>
+<p:sld xmlns:a="http://schemas.openxmlformats.org/drawingml/2006/main" xmlns:r="http://schemas.openxmlformats.org/officeDocument/2006/relationships" xmlns:p="http://schemas.openxmlformats.org/presentationml/2006/main">
+  <p:cSld>
+    <p:spTree>
+      <p:nvGrpSpPr>
+        <p:cNvPr id="1" name=""/>
+        <p:cNvGrpSpPr/>
+        <p:nvPr/>
+      </p:nvGrpSpPr>
+      <p:grpSpPr>
+        <a:xfrm>
+          <a:off x="0" y="0"/>
+          <a:ext cx="0" cy="0"/>
+          <a:chOff x="0" y="0"/>
+          <a:chExt cx="0" cy="0"/>
+        </a:xfrm>
+      </p:grpSpPr>
+      <p:sp>
+        <p:nvSpPr>
+          <p:cNvPr id="2" name="Title 1"/>
+          <p:cNvSpPr>
+            <a:spLocks noGrp="1"/>
+          </p:cNvSpPr>
+          <p:nvPr>
+            <p:ph type="title"/>
+          </p:nvPr>
+        </p:nvSpPr>
+        <p:spPr/>
+        <p:txBody>
+          <a:bodyPr/>
+          <a:lstStyle/>
+          <a:p>
+            <a:r>
+              <a:rPr lang="nl-NL" dirty="0" err="1"/>
+              <a:t>Some</a:t>
+            </a:r>
+            <a:r>
+              <a:rPr lang="nl-NL" dirty="0"/>
+              <a:t> tool </a:t>
+            </a:r>
+            <a:r>
+              <a:rPr lang="nl-NL" dirty="0" err="1"/>
+              <a:t>to</a:t>
+            </a:r>
+            <a:r>
+              <a:rPr lang="nl-NL" dirty="0"/>
+              <a:t> </a:t>
+            </a:r>
+            <a:r>
+              <a:rPr lang="nl-NL" dirty="0" err="1"/>
+              <a:t>build</a:t>
+            </a:r>
+            <a:r>
+              <a:rPr lang="nl-NL" dirty="0"/>
+              <a:t> mobile </a:t>
+            </a:r>
+            <a:r>
+              <a:rPr lang="nl-NL" dirty="0" err="1"/>
+              <a:t>app</a:t>
+            </a:r>
+            <a:r>
+              <a:rPr lang="nl-NL" dirty="0"/>
+              <a:t/>
+            </a:r>
+            <a:br>
+              <a:rPr lang="nl-NL" dirty="0"/>
+            </a:br>
+            <a:endParaRPr lang="en-US" dirty="0"/>
+          </a:p>
+        </p:txBody>
+      </p:sp>
+      <p:sp>
+        <p:nvSpPr>
+          <p:cNvPr id="3" name="Content Placeholder 2"/>
+          <p:cNvSpPr>
+            <a:spLocks noGrp="1"/>
+          </p:cNvSpPr>
+          <p:nvPr>
+            <p:ph idx="1"/>
+          </p:nvPr>
+        </p:nvSpPr>
+        <p:spPr/>
+        <p:txBody>
+          <a:bodyPr/>
+          <a:lstStyle/>
+          <a:p>
+            <a:r>
+              <a:rPr lang="nl-NL" dirty="0" err="1" smtClean="0"/>
+              <a:t>Ionic</a:t>
+            </a:r>
+            <a:endParaRPr lang="nl-NL" dirty="0" smtClean="0"/>
+          </a:p>
+          <a:p>
+            <a:r>
+              <a:rPr lang="nl-NL" dirty="0" err="1" smtClean="0"/>
+              <a:t>Progressive</a:t>
+            </a:r>
+            <a:r>
+              <a:rPr lang="nl-NL" dirty="0" smtClean="0"/>
+              <a:t> Web </a:t>
+            </a:r>
+            <a:r>
+              <a:rPr lang="nl-NL" dirty="0" err="1" smtClean="0"/>
+              <a:t>App</a:t>
+            </a:r>
+            <a:endParaRPr lang="nl-NL" dirty="0" smtClean="0"/>
+          </a:p>
+          <a:p>
+            <a:r>
+              <a:rPr lang="en-US" dirty="0" smtClean="0"/>
+              <a:t>Flutter</a:t>
+            </a:r>
+            <a:r>
+              <a:rPr lang="en-US" dirty="0"/>
+              <a:t> </a:t>
+            </a:r>
+          </a:p>
+          <a:p>
+            <a:r>
+              <a:rPr lang="en-US" dirty="0" err="1" smtClean="0"/>
+              <a:t>Xamarin</a:t>
+            </a:r>
+            <a:r>
+              <a:rPr lang="en-US" dirty="0"/>
+              <a:t> </a:t>
+            </a:r>
+          </a:p>
+          <a:p>
+            <a:r>
+              <a:rPr lang="en-US" dirty="0"/>
+              <a:t>Ratchet</a:t>
+            </a:r>
+          </a:p>
+          <a:p>
+            <a:r>
+              <a:rPr lang="en-US" dirty="0" smtClean="0"/>
+              <a:t>Native Script</a:t>
+            </a:r>
+            <a:endParaRPr lang="en-US" dirty="0"/>
+          </a:p>
+          <a:p>
+            <a:r>
+              <a:rPr lang="nl-NL" dirty="0"/>
+              <a:t>Swift</a:t>
+            </a:r>
+          </a:p>
+          <a:p>
+            <a:r>
+              <a:rPr lang="nl-NL" dirty="0" err="1" smtClean="0"/>
+              <a:t>Objective</a:t>
+            </a:r>
+            <a:r>
+              <a:rPr lang="nl-NL" smtClean="0"/>
+              <a:t> C</a:t>
+            </a:r>
+            <a:endParaRPr lang="en-US" dirty="0"/>
+          </a:p>
+        </p:txBody>
+      </p:sp>
+    </p:spTree>
+    <p:extLst>
+      <p:ext uri="{BB962C8B-B14F-4D97-AF65-F5344CB8AC3E}">
+        <p14:creationId xmlns:p14="http://schemas.microsoft.com/office/powerpoint/2010/main" val="447426123"/>
+      </p:ext>
+    </p:extLst>
+  </p:cSld>
+  <p:clrMapOvr>
+    <a:masterClrMapping/>
+  </p:clrMapOvr>
 </p:sld>
 </file>
 

--- a/reactnative/React Native.pptx
+++ b/reactnative/React Native.pptx
@@ -10,6 +10,7 @@
     <p:sldId id="258" r:id="rId4"/>
     <p:sldId id="259" r:id="rId5"/>
     <p:sldId id="260" r:id="rId6"/>
+    <p:sldId id="261" r:id="rId7"/>
   </p:sldIdLst>
   <p:sldSz cx="12192000" cy="6858000"/>
   <p:notesSz cx="6858000" cy="9144000"/>
@@ -3173,6 +3174,22 @@
               <a:rPr lang="nl-NL" dirty="0" err="1" smtClean="0"/>
               <a:t>Debug</a:t>
             </a:r>
+            <a:r>
+              <a:rPr lang="nl-NL" dirty="0" smtClean="0"/>
+              <a:t> </a:t>
+            </a:r>
+            <a:r>
+              <a:rPr lang="nl-NL" dirty="0" err="1" smtClean="0"/>
+              <a:t>your</a:t>
+            </a:r>
+            <a:r>
+              <a:rPr lang="nl-NL" dirty="0" smtClean="0"/>
+              <a:t> </a:t>
+            </a:r>
+            <a:r>
+              <a:rPr lang="nl-NL" dirty="0" err="1" smtClean="0"/>
+              <a:t>app</a:t>
+            </a:r>
             <a:endParaRPr lang="nl-NL" dirty="0" smtClean="0"/>
           </a:p>
           <a:p>
@@ -3937,7 +3954,7 @@
               <a:t>Objective</a:t>
             </a:r>
             <a:r>
-              <a:rPr lang="nl-NL" smtClean="0"/>
+              <a:rPr lang="nl-NL" dirty="0" smtClean="0"/>
               <a:t> C</a:t>
             </a:r>
             <a:endParaRPr lang="en-US" dirty="0"/>
@@ -3948,6 +3965,94 @@
     <p:extLst>
       <p:ext uri="{BB962C8B-B14F-4D97-AF65-F5344CB8AC3E}">
         <p14:creationId xmlns:p14="http://schemas.microsoft.com/office/powerpoint/2010/main" val="447426123"/>
+      </p:ext>
+    </p:extLst>
+  </p:cSld>
+  <p:clrMapOvr>
+    <a:masterClrMapping/>
+  </p:clrMapOvr>
+</p:sld>
+</file>
+
+<file path=ppt/slides/slide6.xml><?xml version="1.0" encoding="utf-8"?>
+<p:sld xmlns:a="http://schemas.openxmlformats.org/drawingml/2006/main" xmlns:r="http://schemas.openxmlformats.org/officeDocument/2006/relationships" xmlns:p="http://schemas.openxmlformats.org/presentationml/2006/main">
+  <p:cSld>
+    <p:spTree>
+      <p:nvGrpSpPr>
+        <p:cNvPr id="1" name=""/>
+        <p:cNvGrpSpPr/>
+        <p:nvPr/>
+      </p:nvGrpSpPr>
+      <p:grpSpPr>
+        <a:xfrm>
+          <a:off x="0" y="0"/>
+          <a:ext cx="0" cy="0"/>
+          <a:chOff x="0" y="0"/>
+          <a:chExt cx="0" cy="0"/>
+        </a:xfrm>
+      </p:grpSpPr>
+      <p:sp>
+        <p:nvSpPr>
+          <p:cNvPr id="2" name="Title 1"/>
+          <p:cNvSpPr>
+            <a:spLocks noGrp="1"/>
+          </p:cNvSpPr>
+          <p:nvPr>
+            <p:ph type="title"/>
+          </p:nvPr>
+        </p:nvSpPr>
+        <p:spPr/>
+        <p:txBody>
+          <a:bodyPr/>
+          <a:lstStyle/>
+          <a:p>
+            <a:r>
+              <a:rPr lang="nl-NL" dirty="0" err="1"/>
+              <a:t>Debug</a:t>
+            </a:r>
+            <a:r>
+              <a:rPr lang="nl-NL" dirty="0"/>
+              <a:t> </a:t>
+            </a:r>
+            <a:r>
+              <a:rPr lang="nl-NL" dirty="0" err="1"/>
+              <a:t>your</a:t>
+            </a:r>
+            <a:r>
+              <a:rPr lang="nl-NL" dirty="0"/>
+              <a:t> </a:t>
+            </a:r>
+            <a:r>
+              <a:rPr lang="nl-NL"/>
+              <a:t>app</a:t>
+            </a:r>
+            <a:endParaRPr lang="nl-NL" dirty="0"/>
+          </a:p>
+        </p:txBody>
+      </p:sp>
+      <p:sp>
+        <p:nvSpPr>
+          <p:cNvPr id="3" name="Content Placeholder 2"/>
+          <p:cNvSpPr>
+            <a:spLocks noGrp="1"/>
+          </p:cNvSpPr>
+          <p:nvPr>
+            <p:ph idx="1"/>
+          </p:nvPr>
+        </p:nvSpPr>
+        <p:spPr/>
+        <p:txBody>
+          <a:bodyPr/>
+          <a:lstStyle/>
+          <a:p>
+            <a:endParaRPr lang="en-US" dirty="0"/>
+          </a:p>
+        </p:txBody>
+      </p:sp>
+    </p:spTree>
+    <p:extLst>
+      <p:ext uri="{BB962C8B-B14F-4D97-AF65-F5344CB8AC3E}">
+        <p14:creationId xmlns:p14="http://schemas.microsoft.com/office/powerpoint/2010/main" val="331533068"/>
       </p:ext>
     </p:extLst>
   </p:cSld>
